--- a/IBM_Capstone_notes/ds-capstone-template.pptx
+++ b/IBM_Capstone_notes/ds-capstone-template.pptx
@@ -14,12 +14,12 @@
     <p:sldId id="261" r:id="rId8"/>
     <p:sldId id="262" r:id="rId9"/>
     <p:sldId id="298" r:id="rId10"/>
-    <p:sldId id="263" r:id="rId11"/>
-    <p:sldId id="299" r:id="rId12"/>
+    <p:sldId id="325" r:id="rId11"/>
+    <p:sldId id="263" r:id="rId12"/>
     <p:sldId id="302" r:id="rId13"/>
     <p:sldId id="264" r:id="rId14"/>
-    <p:sldId id="266" r:id="rId15"/>
-    <p:sldId id="265" r:id="rId16"/>
+    <p:sldId id="265" r:id="rId15"/>
+    <p:sldId id="266" r:id="rId16"/>
     <p:sldId id="276" r:id="rId17"/>
     <p:sldId id="303" r:id="rId18"/>
     <p:sldId id="293" r:id="rId19"/>
@@ -281,7 +281,7 @@
           <a:p>
             <a:fld id="{9E497948-54D2-43F8-9A63-A99FE3051738}" type="datetimeFigureOut">
               <a:rPr lang="en-US" smtClean="0"/>
-              <a:t>6/21/21</a:t>
+              <a:t>8/9/21</a:t>
             </a:fld>
             <a:endParaRPr lang="en-US"/>
           </a:p>
@@ -4258,13 +4258,21 @@
           <a:p>
             <a:r>
               <a:rPr lang="en-US" dirty="0"/>
-              <a:t>&lt;LEARNER’s Name&gt;</a:t>
-            </a:r>
-          </a:p>
-          <a:p>
+              <a:t>&lt;SALAMI, </a:t>
+            </a:r>
+            <a:r>
+              <a:rPr lang="en-US" dirty="0" err="1"/>
+              <a:t>Olatunde</a:t>
+            </a:r>
             <a:r>
               <a:rPr lang="en-US" dirty="0"/>
-              <a:t>&lt;Date&gt;</a:t>
+              <a:t> Stephen&gt;</a:t>
+            </a:r>
+          </a:p>
+          <a:p>
+            <a:r>
+              <a:rPr lang="en-US" dirty="0"/>
+              <a:t>&lt;August 9, 2021&gt;</a:t>
             </a:r>
           </a:p>
         </p:txBody>
@@ -4348,33 +4356,49 @@
             <p:ph idx="1"/>
           </p:nvPr>
         </p:nvSpPr>
-        <p:spPr/>
-        <p:txBody>
-          <a:bodyPr/>
-          <a:lstStyle/>
-          <a:p>
-            <a:r>
-              <a:rPr lang="en-US" dirty="0"/>
-              <a:t>Describe how data were processed</a:t>
-            </a:r>
-          </a:p>
-          <a:p>
+        <p:spPr>
+          <a:xfrm>
+            <a:off x="838200" y="1310185"/>
+            <a:ext cx="10515600" cy="5069954"/>
+          </a:xfrm>
+        </p:spPr>
+        <p:txBody>
+          <a:bodyPr>
+            <a:normAutofit/>
+          </a:bodyPr>
+          <a:lstStyle/>
+          <a:p>
+            <a:pPr marL="0" indent="0" algn="ctr">
+              <a:buNone/>
+            </a:pPr>
+            <a:r>
+              <a:rPr lang="en-US" sz="2000" dirty="0"/>
+              <a:t>The objective of the data wrangling was to:-</a:t>
+            </a:r>
+          </a:p>
+          <a:p>
+            <a:pPr marL="0" indent="0">
+              <a:buNone/>
+            </a:pPr>
+            <a:r>
+              <a:rPr lang="en-US" sz="2000" dirty="0"/>
+              <a:t>* Understand the dataset 		 * Data cleaning, and identifying patterns in the dataset</a:t>
+            </a:r>
+          </a:p>
+          <a:p>
+            <a:pPr marL="0" indent="0">
+              <a:buNone/>
+            </a:pPr>
+            <a:r>
+              <a:rPr lang="en-US" sz="2000" dirty="0"/>
+              <a:t>* Determine the labels for training the machine learning model. </a:t>
+            </a:r>
+          </a:p>
+          <a:p>
+            <a:pPr marL="0" indent="0">
+              <a:buNone/>
+            </a:pPr>
             <a:endParaRPr lang="en-US" dirty="0"/>
-          </a:p>
-          <a:p>
-            <a:r>
-              <a:rPr lang="en-US" dirty="0"/>
-              <a:t>You need to present your data wrangling process using key phrases and flowcharts</a:t>
-            </a:r>
-          </a:p>
-          <a:p>
-            <a:endParaRPr lang="en-US" dirty="0"/>
-          </a:p>
-          <a:p>
-            <a:r>
-              <a:rPr lang="en-US" dirty="0"/>
-              <a:t>Add the GitHub URL of your completed data wrangling related notebooks, as an external reference and peer-review purpose</a:t>
-            </a:r>
           </a:p>
           <a:p>
             <a:endParaRPr lang="en-US" dirty="0"/>
@@ -4412,7 +4436,134 @@
               <a:rPr lang="en-US" smtClean="0"/>
               <a:t>10</a:t>
             </a:fld>
-            <a:endParaRPr lang="en-US"/>
+            <a:endParaRPr lang="en-US" dirty="0"/>
+          </a:p>
+        </p:txBody>
+      </p:sp>
+      <p:sp>
+        <p:nvSpPr>
+          <p:cNvPr id="6" name="TextBox 5">
+            <a:extLst>
+              <a:ext uri="{FF2B5EF4-FFF2-40B4-BE49-F238E27FC236}">
+                <a16:creationId xmlns:a16="http://schemas.microsoft.com/office/drawing/2014/main" id="{B910332F-69ED-0040-AF0D-007FAC246829}"/>
+              </a:ext>
+            </a:extLst>
+          </p:cNvPr>
+          <p:cNvSpPr txBox="1"/>
+          <p:nvPr/>
+        </p:nvSpPr>
+        <p:spPr>
+          <a:xfrm>
+            <a:off x="1661522" y="6311899"/>
+            <a:ext cx="6835727" cy="369332"/>
+          </a:xfrm>
+          <a:prstGeom prst="rect">
+            <a:avLst/>
+          </a:prstGeom>
+          <a:noFill/>
+        </p:spPr>
+        <p:txBody>
+          <a:bodyPr wrap="square" rtlCol="0">
+            <a:spAutoFit/>
+          </a:bodyPr>
+          <a:lstStyle/>
+          <a:p>
+            <a:r>
+              <a:rPr lang="en-DE" dirty="0"/>
+              <a:t>Here’s a </a:t>
+            </a:r>
+            <a:r>
+              <a:rPr lang="en-GB" dirty="0">
+                <a:solidFill>
+                  <a:schemeClr val="tx2"/>
+                </a:solidFill>
+                <a:hlinkClick r:id="rId2">
+                  <a:extLst>
+                    <a:ext uri="{A12FA001-AC4F-418D-AE19-62706E023703}">
+                      <ahyp:hlinkClr xmlns:ahyp="http://schemas.microsoft.com/office/drawing/2018/hyperlinkcolor" val="tx"/>
+                    </a:ext>
+                  </a:extLst>
+                </a:hlinkClick>
+              </a:rPr>
+              <a:t>Github link</a:t>
+            </a:r>
+            <a:r>
+              <a:rPr lang="en-DE" dirty="0">
+                <a:solidFill>
+                  <a:schemeClr val="tx2"/>
+                </a:solidFill>
+              </a:rPr>
+              <a:t> </a:t>
+            </a:r>
+            <a:r>
+              <a:rPr lang="en-DE" dirty="0"/>
+              <a:t>to the complete notebook for the data wrangling</a:t>
+            </a:r>
+          </a:p>
+        </p:txBody>
+      </p:sp>
+      <p:pic>
+        <p:nvPicPr>
+          <p:cNvPr id="7" name="Picture 6">
+            <a:extLst>
+              <a:ext uri="{FF2B5EF4-FFF2-40B4-BE49-F238E27FC236}">
+                <a16:creationId xmlns:a16="http://schemas.microsoft.com/office/drawing/2014/main" id="{D15726B2-0FB9-C041-A558-8864BC3A617F}"/>
+              </a:ext>
+            </a:extLst>
+          </p:cNvPr>
+          <p:cNvPicPr>
+            <a:picLocks noChangeAspect="1"/>
+          </p:cNvPicPr>
+          <p:nvPr/>
+        </p:nvPicPr>
+        <p:blipFill>
+          <a:blip r:embed="rId3"/>
+          <a:stretch>
+            <a:fillRect/>
+          </a:stretch>
+        </p:blipFill>
+        <p:spPr>
+          <a:xfrm>
+            <a:off x="1093906" y="2990020"/>
+            <a:ext cx="9182858" cy="3165209"/>
+          </a:xfrm>
+          <a:prstGeom prst="rect">
+            <a:avLst/>
+          </a:prstGeom>
+        </p:spPr>
+      </p:pic>
+      <p:sp>
+        <p:nvSpPr>
+          <p:cNvPr id="8" name="TextBox 7">
+            <a:extLst>
+              <a:ext uri="{FF2B5EF4-FFF2-40B4-BE49-F238E27FC236}">
+                <a16:creationId xmlns:a16="http://schemas.microsoft.com/office/drawing/2014/main" id="{F2123021-AA92-5746-B934-8BFCE3CDEB35}"/>
+              </a:ext>
+            </a:extLst>
+          </p:cNvPr>
+          <p:cNvSpPr txBox="1"/>
+          <p:nvPr/>
+        </p:nvSpPr>
+        <p:spPr>
+          <a:xfrm>
+            <a:off x="3152018" y="2620688"/>
+            <a:ext cx="3854734" cy="369332"/>
+          </a:xfrm>
+          <a:prstGeom prst="rect">
+            <a:avLst/>
+          </a:prstGeom>
+          <a:noFill/>
+        </p:spPr>
+        <p:txBody>
+          <a:bodyPr wrap="square" rtlCol="0">
+            <a:spAutoFit/>
+          </a:bodyPr>
+          <a:lstStyle/>
+          <a:p>
+            <a:r>
+              <a:rPr lang="en-DE" u="sng" dirty="0"/>
+              <a:t>Here’s a flowchart of the processes</a:t>
+            </a:r>
           </a:p>
         </p:txBody>
       </p:sp>
@@ -4474,7 +4625,7 @@
           <a:p>
             <a:r>
               <a:rPr lang="en-US" dirty="0"/>
-              <a:t>EDA with data visualization</a:t>
+              <a:t>EDA with SQL</a:t>
             </a:r>
           </a:p>
         </p:txBody>
@@ -4495,30 +4646,67 @@
             <p:ph idx="1"/>
           </p:nvPr>
         </p:nvSpPr>
-        <p:spPr/>
-        <p:txBody>
-          <a:bodyPr/>
+        <p:spPr>
+          <a:xfrm>
+            <a:off x="838200" y="1569493"/>
+            <a:ext cx="10515600" cy="4472533"/>
+          </a:xfrm>
+        </p:spPr>
+        <p:txBody>
+          <a:bodyPr>
+            <a:normAutofit/>
+          </a:bodyPr>
           <a:lstStyle/>
           <a:p>
             <a:r>
               <a:rPr lang="en-US" dirty="0"/>
-              <a:t>Summarize what charts were plotted and why used those charts</a:t>
-            </a:r>
-          </a:p>
-          <a:p>
-            <a:endParaRPr lang="en-US" dirty="0"/>
-          </a:p>
-          <a:p>
-            <a:endParaRPr lang="en-US" dirty="0"/>
-          </a:p>
-          <a:p>
-            <a:r>
-              <a:rPr lang="en-US" dirty="0"/>
-              <a:t>Add the GitHub URL of your completed EDA with data visualization notebook, as an external reference and peer-review purpose</a:t>
-            </a:r>
-          </a:p>
-          <a:p>
-            <a:endParaRPr lang="en-US" dirty="0"/>
+              <a:t>Summary of some performed SQL queries using bullet points</a:t>
+            </a:r>
+          </a:p>
+          <a:p>
+            <a:r>
+              <a:rPr lang="en-US" sz="1600" dirty="0"/>
+              <a:t>Displayed the number of unique lunch sites on the space mission</a:t>
+            </a:r>
+          </a:p>
+          <a:p>
+            <a:endParaRPr lang="en-US" sz="1600" dirty="0"/>
+          </a:p>
+          <a:p>
+            <a:r>
+              <a:rPr lang="en-US" sz="1600" dirty="0"/>
+              <a:t>Queried the average payload mass carried by Booster version F9 V1.1</a:t>
+            </a:r>
+          </a:p>
+          <a:p>
+            <a:endParaRPr lang="en-US" sz="1600" dirty="0"/>
+          </a:p>
+          <a:p>
+            <a:r>
+              <a:rPr lang="en-US" sz="1600" dirty="0"/>
+              <a:t>Queried for the first successful landing outcome</a:t>
+            </a:r>
+          </a:p>
+          <a:p>
+            <a:endParaRPr lang="en-US" sz="1600" dirty="0"/>
+          </a:p>
+          <a:p>
+            <a:r>
+              <a:rPr lang="en-US" sz="1600" dirty="0"/>
+              <a:t>Also queried for the total number of successful outcomes </a:t>
+            </a:r>
+          </a:p>
+          <a:p>
+            <a:endParaRPr lang="en-US" sz="1600" dirty="0"/>
+          </a:p>
+          <a:p>
+            <a:r>
+              <a:rPr lang="en-US" sz="1600" dirty="0"/>
+              <a:t>Displayed the number of booster which have success in drone ship and have higher payload mass between 4000 and 6000</a:t>
+            </a:r>
+          </a:p>
+          <a:p>
+            <a:endParaRPr lang="en-US" sz="1600" dirty="0"/>
           </a:p>
         </p:txBody>
       </p:sp>
@@ -4527,7 +4715,7 @@
           <p:cNvPr id="4" name="Slide Number Placeholder 3">
             <a:extLst>
               <a:ext uri="{FF2B5EF4-FFF2-40B4-BE49-F238E27FC236}">
-                <a16:creationId xmlns:a16="http://schemas.microsoft.com/office/drawing/2014/main" id="{2C4E03D3-761E-7549-A4C6-7E585EBC4F01}"/>
+                <a16:creationId xmlns:a16="http://schemas.microsoft.com/office/drawing/2014/main" id="{617B1B70-690D-5945-90C2-196E1304B45D}"/>
               </a:ext>
             </a:extLst>
           </p:cNvPr>
@@ -4551,10 +4739,222 @@
           </a:p>
         </p:txBody>
       </p:sp>
+      <p:sp>
+        <p:nvSpPr>
+          <p:cNvPr id="6" name="TextBox 5">
+            <a:extLst>
+              <a:ext uri="{FF2B5EF4-FFF2-40B4-BE49-F238E27FC236}">
+                <a16:creationId xmlns:a16="http://schemas.microsoft.com/office/drawing/2014/main" id="{4BADD1BB-521B-3843-B7DA-E48EBCD363DE}"/>
+              </a:ext>
+            </a:extLst>
+          </p:cNvPr>
+          <p:cNvSpPr txBox="1"/>
+          <p:nvPr/>
+        </p:nvSpPr>
+        <p:spPr>
+          <a:xfrm>
+            <a:off x="1661522" y="6311899"/>
+            <a:ext cx="6835727" cy="369332"/>
+          </a:xfrm>
+          <a:prstGeom prst="rect">
+            <a:avLst/>
+          </a:prstGeom>
+          <a:noFill/>
+        </p:spPr>
+        <p:txBody>
+          <a:bodyPr wrap="square" rtlCol="0">
+            <a:spAutoFit/>
+          </a:bodyPr>
+          <a:lstStyle/>
+          <a:p>
+            <a:r>
+              <a:rPr lang="en-DE" dirty="0"/>
+              <a:t>Here’s a </a:t>
+            </a:r>
+            <a:r>
+              <a:rPr lang="en-GB" dirty="0">
+                <a:solidFill>
+                  <a:schemeClr val="tx2"/>
+                </a:solidFill>
+                <a:hlinkClick r:id="rId2">
+                  <a:extLst>
+                    <a:ext uri="{A12FA001-AC4F-418D-AE19-62706E023703}">
+                      <ahyp:hlinkClr xmlns:ahyp="http://schemas.microsoft.com/office/drawing/2018/hyperlinkcolor" val="tx"/>
+                    </a:ext>
+                  </a:extLst>
+                </a:hlinkClick>
+              </a:rPr>
+              <a:t>Github link</a:t>
+            </a:r>
+            <a:r>
+              <a:rPr lang="en-DE" dirty="0">
+                <a:solidFill>
+                  <a:schemeClr val="tx2"/>
+                </a:solidFill>
+              </a:rPr>
+              <a:t> </a:t>
+            </a:r>
+            <a:r>
+              <a:rPr lang="en-DE" dirty="0"/>
+              <a:t>to the complete notebook for the data wrangling</a:t>
+            </a:r>
+          </a:p>
+        </p:txBody>
+      </p:sp>
+      <p:pic>
+        <p:nvPicPr>
+          <p:cNvPr id="3" name="Picture 2">
+            <a:extLst>
+              <a:ext uri="{FF2B5EF4-FFF2-40B4-BE49-F238E27FC236}">
+                <a16:creationId xmlns:a16="http://schemas.microsoft.com/office/drawing/2014/main" id="{9B803984-BCAF-514F-B8EC-E9AB75ECD8F9}"/>
+              </a:ext>
+            </a:extLst>
+          </p:cNvPr>
+          <p:cNvPicPr>
+            <a:picLocks noChangeAspect="1"/>
+          </p:cNvPicPr>
+          <p:nvPr/>
+        </p:nvPicPr>
+        <p:blipFill>
+          <a:blip r:embed="rId3"/>
+          <a:stretch>
+            <a:fillRect/>
+          </a:stretch>
+        </p:blipFill>
+        <p:spPr>
+          <a:xfrm>
+            <a:off x="1120822" y="2382398"/>
+            <a:ext cx="6019800" cy="317500"/>
+          </a:xfrm>
+          <a:prstGeom prst="rect">
+            <a:avLst/>
+          </a:prstGeom>
+        </p:spPr>
+      </p:pic>
+      <p:pic>
+        <p:nvPicPr>
+          <p:cNvPr id="7" name="Picture 6">
+            <a:extLst>
+              <a:ext uri="{FF2B5EF4-FFF2-40B4-BE49-F238E27FC236}">
+                <a16:creationId xmlns:a16="http://schemas.microsoft.com/office/drawing/2014/main" id="{921536CE-A62E-FE46-AEF4-1A42B53EFF52}"/>
+              </a:ext>
+            </a:extLst>
+          </p:cNvPr>
+          <p:cNvPicPr>
+            <a:picLocks noChangeAspect="1"/>
+          </p:cNvPicPr>
+          <p:nvPr/>
+        </p:nvPicPr>
+        <p:blipFill>
+          <a:blip r:embed="rId4"/>
+          <a:stretch>
+            <a:fillRect/>
+          </a:stretch>
+        </p:blipFill>
+        <p:spPr>
+          <a:xfrm>
+            <a:off x="1120822" y="3088588"/>
+            <a:ext cx="9777389" cy="270094"/>
+          </a:xfrm>
+          <a:prstGeom prst="rect">
+            <a:avLst/>
+          </a:prstGeom>
+        </p:spPr>
+      </p:pic>
+      <p:pic>
+        <p:nvPicPr>
+          <p:cNvPr id="9" name="Picture 8">
+            <a:extLst>
+              <a:ext uri="{FF2B5EF4-FFF2-40B4-BE49-F238E27FC236}">
+                <a16:creationId xmlns:a16="http://schemas.microsoft.com/office/drawing/2014/main" id="{2FDF0077-1009-E049-A5FC-3C91BBD8BF35}"/>
+              </a:ext>
+            </a:extLst>
+          </p:cNvPr>
+          <p:cNvPicPr>
+            <a:picLocks noChangeAspect="1"/>
+          </p:cNvPicPr>
+          <p:nvPr/>
+        </p:nvPicPr>
+        <p:blipFill>
+          <a:blip r:embed="rId5"/>
+          <a:stretch>
+            <a:fillRect/>
+          </a:stretch>
+        </p:blipFill>
+        <p:spPr>
+          <a:xfrm>
+            <a:off x="1120822" y="3757925"/>
+            <a:ext cx="10809869" cy="365124"/>
+          </a:xfrm>
+          <a:prstGeom prst="rect">
+            <a:avLst/>
+          </a:prstGeom>
+        </p:spPr>
+      </p:pic>
+      <p:pic>
+        <p:nvPicPr>
+          <p:cNvPr id="10" name="Picture 9">
+            <a:extLst>
+              <a:ext uri="{FF2B5EF4-FFF2-40B4-BE49-F238E27FC236}">
+                <a16:creationId xmlns:a16="http://schemas.microsoft.com/office/drawing/2014/main" id="{4C478BA8-6600-3F47-B496-73B0D939E8EC}"/>
+              </a:ext>
+            </a:extLst>
+          </p:cNvPr>
+          <p:cNvPicPr>
+            <a:picLocks noChangeAspect="1"/>
+          </p:cNvPicPr>
+          <p:nvPr/>
+        </p:nvPicPr>
+        <p:blipFill>
+          <a:blip r:embed="rId6"/>
+          <a:stretch>
+            <a:fillRect/>
+          </a:stretch>
+        </p:blipFill>
+        <p:spPr>
+          <a:xfrm>
+            <a:off x="1120822" y="4479924"/>
+            <a:ext cx="10650633" cy="260035"/>
+          </a:xfrm>
+          <a:prstGeom prst="rect">
+            <a:avLst/>
+          </a:prstGeom>
+        </p:spPr>
+      </p:pic>
+      <p:pic>
+        <p:nvPicPr>
+          <p:cNvPr id="11" name="Picture 10">
+            <a:extLst>
+              <a:ext uri="{FF2B5EF4-FFF2-40B4-BE49-F238E27FC236}">
+                <a16:creationId xmlns:a16="http://schemas.microsoft.com/office/drawing/2014/main" id="{FC081E7B-F4C0-D048-B207-A8A168109146}"/>
+              </a:ext>
+            </a:extLst>
+          </p:cNvPr>
+          <p:cNvPicPr>
+            <a:picLocks noChangeAspect="1"/>
+          </p:cNvPicPr>
+          <p:nvPr/>
+        </p:nvPicPr>
+        <p:blipFill>
+          <a:blip r:embed="rId7"/>
+          <a:stretch>
+            <a:fillRect/>
+          </a:stretch>
+        </p:blipFill>
+        <p:spPr>
+          <a:xfrm>
+            <a:off x="1120822" y="5138233"/>
+            <a:ext cx="10049640" cy="858454"/>
+          </a:xfrm>
+          <a:prstGeom prst="rect">
+            <a:avLst/>
+          </a:prstGeom>
+        </p:spPr>
+      </p:pic>
     </p:spTree>
     <p:extLst>
       <p:ext uri="{BB962C8B-B14F-4D97-AF65-F5344CB8AC3E}">
-        <p14:creationId xmlns:p14="http://schemas.microsoft.com/office/powerpoint/2010/main" val="779971636"/>
+        <p14:creationId xmlns:p14="http://schemas.microsoft.com/office/powerpoint/2010/main" val="1578726356"/>
       </p:ext>
     </p:extLst>
   </p:cSld>
@@ -4609,7 +5009,7 @@
           <a:p>
             <a:r>
               <a:rPr lang="en-US" dirty="0"/>
-              <a:t>EDA with SQL</a:t>
+              <a:t>EDA with data visualization</a:t>
             </a:r>
           </a:p>
         </p:txBody>
@@ -4630,37 +5030,124 @@
             <p:ph idx="1"/>
           </p:nvPr>
         </p:nvSpPr>
-        <p:spPr/>
-        <p:txBody>
-          <a:bodyPr/>
+        <p:spPr>
+          <a:xfrm>
+            <a:off x="838200" y="1406017"/>
+            <a:ext cx="10515600" cy="4351338"/>
+          </a:xfrm>
+        </p:spPr>
+        <p:txBody>
+          <a:bodyPr>
+            <a:normAutofit fontScale="92500" lnSpcReduction="10000"/>
+          </a:bodyPr>
           <a:lstStyle/>
           <a:p>
             <a:r>
               <a:rPr lang="en-US" dirty="0"/>
-              <a:t>Summarize performed SQL queries using bullet points</a:t>
-            </a:r>
-          </a:p>
-          <a:p>
+              <a:t>Summary of what charts were plotted and why used those charts</a:t>
+            </a:r>
+          </a:p>
+          <a:p>
+            <a:pPr marL="0" indent="0">
+              <a:buNone/>
+            </a:pPr>
             <a:endParaRPr lang="en-US" dirty="0"/>
           </a:p>
           <a:p>
+            <a:pPr>
+              <a:buFont typeface="Wingdings" pitchFamily="2" charset="2"/>
+              <a:buChar char="v"/>
+            </a:pPr>
+            <a:r>
+              <a:rPr lang="en-GB" sz="1800" dirty="0"/>
+              <a:t>Plotted a </a:t>
+            </a:r>
+            <a:r>
+              <a:rPr lang="en-GB" sz="1800" dirty="0" err="1"/>
+              <a:t>catplot</a:t>
+            </a:r>
+            <a:r>
+              <a:rPr lang="en-GB" sz="1800" dirty="0"/>
+              <a:t> to discover the relationship between Flight-Number and Payload Mass, the essence to to observe how these variables would affect launch outcome.</a:t>
+            </a:r>
+          </a:p>
+          <a:p>
+            <a:pPr>
+              <a:buFont typeface="Wingdings" pitchFamily="2" charset="2"/>
+              <a:buChar char="v"/>
+            </a:pPr>
+            <a:endParaRPr lang="en-GB" sz="1800" dirty="0"/>
+          </a:p>
+          <a:p>
+            <a:pPr>
+              <a:buFont typeface="Wingdings" pitchFamily="2" charset="2"/>
+              <a:buChar char="v"/>
+            </a:pPr>
+            <a:r>
+              <a:rPr lang="en-GB" sz="1800" dirty="0"/>
+              <a:t>Plotted a chart to relationship between Flight Number and Launch Site, and to establish how launch sites vary with flight numbers.</a:t>
+            </a:r>
+          </a:p>
+          <a:p>
+            <a:pPr>
+              <a:buFont typeface="Wingdings" pitchFamily="2" charset="2"/>
+              <a:buChar char="v"/>
+            </a:pPr>
+            <a:endParaRPr lang="en-GB" sz="1800" dirty="0"/>
+          </a:p>
+          <a:p>
+            <a:pPr>
+              <a:buFont typeface="Wingdings" pitchFamily="2" charset="2"/>
+              <a:buChar char="v"/>
+            </a:pPr>
+            <a:r>
+              <a:rPr lang="en-GB" sz="1800" dirty="0"/>
+              <a:t>Also tried to observe if there’s a relationship between payload mass and launch sites.</a:t>
+            </a:r>
+          </a:p>
+          <a:p>
+            <a:pPr>
+              <a:buFont typeface="Wingdings" pitchFamily="2" charset="2"/>
+              <a:buChar char="v"/>
+            </a:pPr>
+            <a:endParaRPr lang="en-GB" sz="1800" dirty="0"/>
+          </a:p>
+          <a:p>
+            <a:pPr>
+              <a:buFont typeface="Wingdings" pitchFamily="2" charset="2"/>
+              <a:buChar char="v"/>
+            </a:pPr>
+            <a:r>
+              <a:rPr lang="en-GB" sz="1800" dirty="0"/>
+              <a:t>Then I also plotted a chart to visualize relationship between success rate of each orbit type</a:t>
+            </a:r>
+          </a:p>
+          <a:p>
+            <a:pPr>
+              <a:buFont typeface="Wingdings" pitchFamily="2" charset="2"/>
+              <a:buChar char="v"/>
+            </a:pPr>
+            <a:endParaRPr lang="en-GB" sz="1800" dirty="0"/>
+          </a:p>
+          <a:p>
+            <a:pPr>
+              <a:buFont typeface="Wingdings" pitchFamily="2" charset="2"/>
+              <a:buChar char="v"/>
+            </a:pPr>
+            <a:r>
+              <a:rPr lang="en-GB" sz="1800" dirty="0"/>
+              <a:t>Also the relationship between payload mass and orbit type. </a:t>
+            </a:r>
+          </a:p>
+          <a:p>
             <a:endParaRPr lang="en-US" dirty="0"/>
           </a:p>
           <a:p>
-            <a:r>
-              <a:rPr lang="en-US" dirty="0"/>
-              <a:t>Add the GitHub URL of your completed EDA with SQL notebook, as an external reference and peer-review purpose</a:t>
-            </a:r>
-          </a:p>
-          <a:p>
+            <a:pPr marL="0" indent="0">
+              <a:buNone/>
+            </a:pPr>
             <a:endParaRPr lang="en-US" dirty="0"/>
           </a:p>
-          <a:p>
-            <a:endParaRPr lang="en-US" dirty="0"/>
-          </a:p>
-          <a:p>
-            <a:endParaRPr lang="en-US" dirty="0"/>
-          </a:p>
         </p:txBody>
       </p:sp>
       <p:sp>
@@ -4668,7 +5155,7 @@
           <p:cNvPr id="4" name="Slide Number Placeholder 3">
             <a:extLst>
               <a:ext uri="{FF2B5EF4-FFF2-40B4-BE49-F238E27FC236}">
-                <a16:creationId xmlns:a16="http://schemas.microsoft.com/office/drawing/2014/main" id="{617B1B70-690D-5945-90C2-196E1304B45D}"/>
+                <a16:creationId xmlns:a16="http://schemas.microsoft.com/office/drawing/2014/main" id="{2C4E03D3-761E-7549-A4C6-7E585EBC4F01}"/>
               </a:ext>
             </a:extLst>
           </p:cNvPr>
@@ -4692,10 +5179,72 @@
           </a:p>
         </p:txBody>
       </p:sp>
+      <p:sp>
+        <p:nvSpPr>
+          <p:cNvPr id="6" name="TextBox 5">
+            <a:extLst>
+              <a:ext uri="{FF2B5EF4-FFF2-40B4-BE49-F238E27FC236}">
+                <a16:creationId xmlns:a16="http://schemas.microsoft.com/office/drawing/2014/main" id="{6BFCBC5F-425E-3A4A-B58B-98B1E10F3F9A}"/>
+              </a:ext>
+            </a:extLst>
+          </p:cNvPr>
+          <p:cNvSpPr txBox="1"/>
+          <p:nvPr/>
+        </p:nvSpPr>
+        <p:spPr>
+          <a:xfrm>
+            <a:off x="1661522" y="6311899"/>
+            <a:ext cx="6835727" cy="369332"/>
+          </a:xfrm>
+          <a:prstGeom prst="rect">
+            <a:avLst/>
+          </a:prstGeom>
+          <a:noFill/>
+        </p:spPr>
+        <p:txBody>
+          <a:bodyPr wrap="square" rtlCol="0">
+            <a:spAutoFit/>
+          </a:bodyPr>
+          <a:lstStyle/>
+          <a:p>
+            <a:r>
+              <a:rPr lang="en-DE" dirty="0"/>
+              <a:t>Here’s a </a:t>
+            </a:r>
+            <a:r>
+              <a:rPr lang="en-GB" dirty="0">
+                <a:solidFill>
+                  <a:schemeClr val="tx2"/>
+                </a:solidFill>
+                <a:hlinkClick r:id="rId2">
+                  <a:extLst>
+                    <a:ext uri="{A12FA001-AC4F-418D-AE19-62706E023703}">
+                      <ahyp:hlinkClr xmlns:ahyp="http://schemas.microsoft.com/office/drawing/2018/hyperlinkcolor" val="tx"/>
+                    </a:ext>
+                  </a:extLst>
+                </a:hlinkClick>
+              </a:rPr>
+              <a:t>Github link</a:t>
+            </a:r>
+            <a:r>
+              <a:rPr lang="en-DE" dirty="0">
+                <a:solidFill>
+                  <a:schemeClr val="tx2"/>
+                </a:solidFill>
+              </a:rPr>
+              <a:t> </a:t>
+            </a:r>
+            <a:r>
+              <a:rPr lang="en-DE" dirty="0"/>
+              <a:t>to the complete notebook for the data wrangling</a:t>
+            </a:r>
+          </a:p>
+        </p:txBody>
+      </p:sp>
     </p:spTree>
     <p:extLst>
       <p:ext uri="{BB962C8B-B14F-4D97-AF65-F5344CB8AC3E}">
-        <p14:creationId xmlns:p14="http://schemas.microsoft.com/office/powerpoint/2010/main" val="1578726356"/>
+        <p14:creationId xmlns:p14="http://schemas.microsoft.com/office/powerpoint/2010/main" val="779971636"/>
       </p:ext>
     </p:extLst>
   </p:cSld>
@@ -4774,7 +5323,7 @@
         <p:spPr/>
         <p:txBody>
           <a:bodyPr>
-            <a:normAutofit/>
+            <a:normAutofit fontScale="92500" lnSpcReduction="10000"/>
           </a:bodyPr>
           <a:lstStyle/>
           <a:p>
@@ -4790,24 +5339,121 @@
             <a:endParaRPr lang="en-US" dirty="0"/>
           </a:p>
           <a:p>
-            <a:r>
-              <a:rPr lang="en-US" dirty="0"/>
-              <a:t>Explain why you added those objects</a:t>
-            </a:r>
-          </a:p>
-          <a:p>
+            <a:pPr>
+              <a:buFont typeface="Wingdings" pitchFamily="2" charset="2"/>
+              <a:buChar char="v"/>
+            </a:pPr>
+            <a:r>
+              <a:rPr lang="en-GB" sz="2600" dirty="0"/>
+              <a:t>Created and added </a:t>
+            </a:r>
+            <a:r>
+              <a:rPr lang="en-GB" sz="2600" dirty="0" err="1"/>
+              <a:t>folium.Circle</a:t>
+            </a:r>
+            <a:r>
+              <a:rPr lang="en-GB" sz="2600" dirty="0"/>
+              <a:t> and </a:t>
+            </a:r>
+            <a:r>
+              <a:rPr lang="en-GB" sz="2600" dirty="0" err="1"/>
+              <a:t>folium.Marker</a:t>
+            </a:r>
+            <a:r>
+              <a:rPr lang="en-GB" sz="2600" dirty="0"/>
+              <a:t> for each launch site on the site map, to visualize the relative positions of the key locations</a:t>
+            </a:r>
+          </a:p>
+          <a:p>
+            <a:pPr marL="0" indent="0">
+              <a:buNone/>
+            </a:pPr>
+            <a:endParaRPr lang="en-US" sz="2300" dirty="0"/>
+          </a:p>
+          <a:p>
+            <a:pPr>
+              <a:buFont typeface="Wingdings" pitchFamily="2" charset="2"/>
+              <a:buChar char="v"/>
+            </a:pPr>
+            <a:r>
+              <a:rPr lang="en-GB" sz="2300" dirty="0"/>
+              <a:t>Create a new column in </a:t>
+            </a:r>
+            <a:r>
+              <a:rPr lang="en-GB" sz="2300" dirty="0" err="1"/>
+              <a:t>launch_sites</a:t>
+            </a:r>
+            <a:r>
+              <a:rPr lang="en-GB" sz="2300" dirty="0"/>
+              <a:t> </a:t>
+            </a:r>
+            <a:r>
+              <a:rPr lang="en-GB" sz="2300" dirty="0" err="1"/>
+              <a:t>dataframe</a:t>
+            </a:r>
+            <a:r>
+              <a:rPr lang="en-GB" sz="2300" dirty="0"/>
+              <a:t> called </a:t>
+            </a:r>
+            <a:r>
+              <a:rPr lang="en-GB" sz="2300" dirty="0" err="1"/>
+              <a:t>marker_color</a:t>
+            </a:r>
+            <a:r>
+              <a:rPr lang="en-GB" sz="2300" dirty="0"/>
+              <a:t> to store the marker </a:t>
+            </a:r>
+            <a:r>
+              <a:rPr lang="en-GB" sz="2300" dirty="0" err="1"/>
+              <a:t>colors</a:t>
+            </a:r>
+            <a:r>
+              <a:rPr lang="en-GB" sz="2300" dirty="0"/>
+              <a:t> based on the class value</a:t>
+            </a:r>
+          </a:p>
+          <a:p>
+            <a:pPr>
+              <a:buFont typeface="Wingdings" pitchFamily="2" charset="2"/>
+              <a:buChar char="v"/>
+            </a:pPr>
+            <a:endParaRPr lang="en-GB" dirty="0"/>
+          </a:p>
+          <a:p>
+            <a:pPr>
+              <a:buFont typeface="Wingdings" pitchFamily="2" charset="2"/>
+              <a:buChar char="v"/>
+            </a:pPr>
+            <a:r>
+              <a:rPr lang="en-GB" dirty="0"/>
+              <a:t>Drew a </a:t>
+            </a:r>
+            <a:r>
+              <a:rPr lang="en-GB" dirty="0" err="1"/>
+              <a:t>PolyLine</a:t>
+            </a:r>
+            <a:r>
+              <a:rPr lang="en-GB" dirty="0"/>
+              <a:t> between a launch site and it neighbouring facilities to check for there proximities to public paces.</a:t>
+            </a:r>
+          </a:p>
+          <a:p>
+            <a:pPr>
+              <a:buFont typeface="Wingdings" pitchFamily="2" charset="2"/>
+              <a:buChar char="v"/>
+            </a:pPr>
             <a:endParaRPr lang="en-US" dirty="0"/>
           </a:p>
           <a:p>
-            <a:r>
-              <a:rPr lang="en-US" dirty="0"/>
-              <a:t>Add the GitHub URL of your completed interactive map with Folium map, as an external reference and peer-review purpose</a:t>
-            </a:r>
-          </a:p>
-          <a:p>
+            <a:pPr marL="0" indent="0">
+              <a:buNone/>
+            </a:pPr>
             <a:endParaRPr lang="en-US" dirty="0"/>
           </a:p>
           <a:p>
+            <a:pPr marL="0" indent="0">
+              <a:buNone/>
+            </a:pPr>
             <a:endParaRPr lang="en-US" dirty="0"/>
           </a:p>
         </p:txBody>
@@ -4838,6 +5484,68 @@
               <a:t>13</a:t>
             </a:fld>
             <a:endParaRPr lang="en-US"/>
+          </a:p>
+        </p:txBody>
+      </p:sp>
+      <p:sp>
+        <p:nvSpPr>
+          <p:cNvPr id="6" name="TextBox 5">
+            <a:extLst>
+              <a:ext uri="{FF2B5EF4-FFF2-40B4-BE49-F238E27FC236}">
+                <a16:creationId xmlns:a16="http://schemas.microsoft.com/office/drawing/2014/main" id="{AAD67320-C5F0-DD42-B21C-3262F5403A6D}"/>
+              </a:ext>
+            </a:extLst>
+          </p:cNvPr>
+          <p:cNvSpPr txBox="1"/>
+          <p:nvPr/>
+        </p:nvSpPr>
+        <p:spPr>
+          <a:xfrm>
+            <a:off x="1661522" y="6311899"/>
+            <a:ext cx="6835727" cy="369332"/>
+          </a:xfrm>
+          <a:prstGeom prst="rect">
+            <a:avLst/>
+          </a:prstGeom>
+          <a:noFill/>
+        </p:spPr>
+        <p:txBody>
+          <a:bodyPr wrap="square" rtlCol="0">
+            <a:spAutoFit/>
+          </a:bodyPr>
+          <a:lstStyle/>
+          <a:p>
+            <a:r>
+              <a:rPr lang="en-DE" dirty="0"/>
+              <a:t>Here’s a </a:t>
+            </a:r>
+            <a:r>
+              <a:rPr lang="en-GB" dirty="0">
+                <a:solidFill>
+                  <a:schemeClr val="tx2"/>
+                </a:solidFill>
+                <a:hlinkClick r:id="rId2">
+                  <a:extLst>
+                    <a:ext uri="{A12FA001-AC4F-418D-AE19-62706E023703}">
+                      <ahyp:hlinkClr xmlns:ahyp="http://schemas.microsoft.com/office/drawing/2018/hyperlinkcolor" val="tx"/>
+                    </a:ext>
+                  </a:extLst>
+                </a:hlinkClick>
+              </a:rPr>
+              <a:t>Github link</a:t>
+            </a:r>
+            <a:r>
+              <a:rPr lang="en-DE" dirty="0">
+                <a:solidFill>
+                  <a:schemeClr val="tx2"/>
+                </a:solidFill>
+              </a:rPr>
+              <a:t> </a:t>
+            </a:r>
+            <a:r>
+              <a:rPr lang="en-DE" dirty="0"/>
+              <a:t>to the complete notebook for the data wrangling</a:t>
+            </a:r>
           </a:p>
         </p:txBody>
       </p:sp>
@@ -4923,7 +5631,7 @@
         <p:spPr/>
         <p:txBody>
           <a:bodyPr>
-            <a:normAutofit lnSpcReduction="10000"/>
+            <a:normAutofit/>
           </a:bodyPr>
           <a:lstStyle/>
           <a:p>
@@ -5069,7 +5777,7 @@
         <p:spPr/>
         <p:txBody>
           <a:bodyPr>
-            <a:normAutofit lnSpcReduction="10000"/>
+            <a:normAutofit/>
           </a:bodyPr>
           <a:lstStyle/>
           <a:p>
@@ -7716,8 +8424,8 @@
         </p:nvSpPr>
         <p:spPr>
           <a:xfrm>
-            <a:off x="4285075" y="1825624"/>
-            <a:ext cx="7068725" cy="4465447"/>
+            <a:off x="4285075" y="1360658"/>
+            <a:ext cx="7260931" cy="4930414"/>
           </a:xfrm>
           <a:prstGeom prst="rect">
             <a:avLst/>
@@ -7900,17 +8608,66 @@
           <a:p>
             <a:r>
               <a:rPr lang="en-US" sz="2200" dirty="0"/>
-              <a:t>Summary of methodologies</a:t>
-            </a:r>
-          </a:p>
-          <a:p>
+              <a:t>Summary of methodologies:</a:t>
+            </a:r>
+          </a:p>
+          <a:p>
+            <a:pPr marL="0" indent="0">
+              <a:buNone/>
+            </a:pPr>
+            <a:r>
+              <a:rPr lang="en-GB" sz="1700" dirty="0"/>
+              <a:t>SpaceX’s Falcon9 rocket launch trip is advertised as 165 million on their website, this is at 3x lesser than there contemporaries. The low pricing from SpaceX is because they can reuse the first stage, which often depends on a successful falcon9 landing.</a:t>
+            </a:r>
+          </a:p>
+          <a:p>
+            <a:pPr marL="0" indent="0">
+              <a:buNone/>
+            </a:pPr>
+            <a:r>
+              <a:rPr lang="en-GB" sz="1700" dirty="0"/>
+              <a:t>In this report, I collected, processed, and analysed historic Falcon9 rocket launches, then predicted using Machine Learning approach, the possible outcome from the first launch.  </a:t>
+            </a:r>
+            <a:endParaRPr lang="en-US" sz="1700" dirty="0"/>
+          </a:p>
+          <a:p>
+            <a:pPr marL="0" indent="0">
+              <a:buNone/>
+            </a:pPr>
             <a:endParaRPr lang="en-US" sz="2200" dirty="0"/>
           </a:p>
           <a:p>
             <a:r>
               <a:rPr lang="en-US" sz="2200" dirty="0"/>
-              <a:t>Summary of all results</a:t>
-            </a:r>
+              <a:t>Summary of all results:</a:t>
+            </a:r>
+          </a:p>
+          <a:p>
+            <a:pPr>
+              <a:buFont typeface="Wingdings" pitchFamily="2" charset="2"/>
+              <a:buChar char="Ø"/>
+            </a:pPr>
+            <a:r>
+              <a:rPr lang="en-GB" sz="1700" dirty="0"/>
+              <a:t>A successful rocket launch is depended on many factors such as payload mass, orbit type, launch sites, etc.</a:t>
+            </a:r>
+          </a:p>
+          <a:p>
+            <a:pPr>
+              <a:buFont typeface="Wingdings" pitchFamily="2" charset="2"/>
+              <a:buChar char="Ø"/>
+            </a:pPr>
+            <a:r>
+              <a:rPr lang="en-GB" sz="1700" dirty="0"/>
+              <a:t>Advancement in the technology is aiding improved research, thus contributing to closing the knowledge gap, thus improving the success rate year on year.</a:t>
+            </a:r>
+          </a:p>
+          <a:p>
+            <a:pPr>
+              <a:buFont typeface="Wingdings" pitchFamily="2" charset="2"/>
+              <a:buChar char="Ø"/>
+            </a:pPr>
+            <a:endParaRPr lang="en-US" sz="1600" dirty="0"/>
           </a:p>
         </p:txBody>
       </p:sp>
@@ -8035,7 +8792,7 @@
         </p:spPr>
         <p:txBody>
           <a:bodyPr>
-            <a:normAutofit fontScale="90000"/>
+            <a:normAutofit/>
           </a:bodyPr>
           <a:lstStyle/>
           <a:p>
@@ -9170,7 +9927,7 @@
         <p:spPr/>
         <p:txBody>
           <a:bodyPr>
-            <a:normAutofit lnSpcReduction="10000"/>
+            <a:normAutofit/>
           </a:bodyPr>
           <a:lstStyle/>
           <a:p>
@@ -9461,8 +10218,8 @@
         </p:nvSpPr>
         <p:spPr>
           <a:xfrm>
-            <a:off x="4285075" y="1825625"/>
-            <a:ext cx="7068725" cy="4351338"/>
+            <a:off x="4285075" y="1514901"/>
+            <a:ext cx="7452000" cy="4977974"/>
           </a:xfrm>
           <a:prstGeom prst="rect">
             <a:avLst/>
@@ -9470,7 +10227,7 @@
         </p:spPr>
         <p:txBody>
           <a:bodyPr vert="horz" lIns="91440" tIns="45720" rIns="91440" bIns="45720" rtlCol="0">
-            <a:normAutofit/>
+            <a:normAutofit fontScale="92500" lnSpcReduction="10000"/>
           </a:bodyPr>
           <a:lstStyle>
             <a:lvl1pPr marL="228600" indent="-228600" algn="l" defTabSz="914400" rtl="0" eaLnBrk="1" latinLnBrk="0" hangingPunct="1">
@@ -9643,16 +10400,89 @@
             </a:r>
           </a:p>
           <a:p>
+            <a:pPr>
+              <a:buFont typeface="Wingdings" pitchFamily="2" charset="2"/>
+              <a:buChar char="v"/>
+            </a:pPr>
+            <a:r>
+              <a:rPr lang="en-GB" sz="1700" dirty="0"/>
+              <a:t>Falcon9 is part of the falcon rocket family. It is designed and operated by private manufacturer SpaceX. They are mainly used for space exploration such as; cargo delivery, crewed flights to the International Space Station (ISS), etc. </a:t>
+            </a:r>
+            <a:r>
+              <a:rPr lang="en-GB" sz="1500" dirty="0"/>
+              <a:t>(Wikipedia).</a:t>
+            </a:r>
+          </a:p>
+          <a:p>
+            <a:pPr>
+              <a:buFont typeface="Wingdings" pitchFamily="2" charset="2"/>
+              <a:buChar char="v"/>
+            </a:pPr>
+            <a:r>
+              <a:rPr lang="en-GB" sz="1700" dirty="0"/>
+              <a:t>Since June 2010, rockets from the falcon9 family have been launched 126 times, with 124 full mission successes, one partial failure and one total loss of spacecraft </a:t>
+            </a:r>
+            <a:r>
+              <a:rPr lang="en-GB" sz="1500" dirty="0"/>
+              <a:t>(Wikipedia)</a:t>
+            </a:r>
+            <a:r>
+              <a:rPr lang="en-GB" sz="1700" dirty="0"/>
+              <a:t>, hence they have a good record of launches.</a:t>
+            </a:r>
+          </a:p>
+          <a:p>
+            <a:pPr>
+              <a:buFont typeface="Wingdings" pitchFamily="2" charset="2"/>
+              <a:buChar char="v"/>
+            </a:pPr>
+            <a:r>
+              <a:rPr lang="en-US" sz="1800" dirty="0"/>
+              <a:t>The landing performed on Falcon9 after there launches is usually controlled, hence there high success landing rate. This allows for of reusability, and thus low fare pricing compared to there competitors.</a:t>
+            </a:r>
+          </a:p>
+          <a:p>
+            <a:pPr marL="0" indent="0">
+              <a:buNone/>
+            </a:pPr>
             <a:endParaRPr lang="en-US" sz="2200" dirty="0"/>
           </a:p>
           <a:p>
-            <a:endParaRPr lang="en-US" sz="2200" dirty="0"/>
-          </a:p>
-          <a:p>
             <a:r>
               <a:rPr lang="en-US" sz="2200" dirty="0"/>
-              <a:t>Problems you want to find answers</a:t>
-            </a:r>
+              <a:t>Problems to be answered</a:t>
+            </a:r>
+          </a:p>
+          <a:p>
+            <a:pPr marL="0" indent="0">
+              <a:buNone/>
+            </a:pPr>
+            <a:r>
+              <a:rPr lang="en-US" sz="1700" dirty="0"/>
+              <a:t>For other manufacturers to stand a chance against SpaceX, historical falcon9 launch data was analyzed for key questions such as:</a:t>
+            </a:r>
+          </a:p>
+          <a:p>
+            <a:r>
+              <a:rPr lang="en-US" sz="1700" dirty="0"/>
+              <a:t>What are the principal factors for a successful landing?</a:t>
+            </a:r>
+          </a:p>
+          <a:p>
+            <a:r>
+              <a:rPr lang="en-US" sz="1700" dirty="0"/>
+              <a:t>What factors are associated with failure landing?   </a:t>
+            </a:r>
+          </a:p>
+          <a:p>
+            <a:pPr marL="0" indent="0">
+              <a:buNone/>
+            </a:pPr>
+            <a:r>
+              <a:rPr lang="en-GB" sz="1700" dirty="0"/>
+              <a:t>If known, Information on a possible successful rocket landing can be used by other rocket companies to bid against SpaceX’s rocket launch pricing.</a:t>
+            </a:r>
+            <a:endParaRPr lang="en-US" sz="1700" dirty="0"/>
           </a:p>
         </p:txBody>
       </p:sp>
@@ -10989,7 +11819,7 @@
         </p:spPr>
         <p:txBody>
           <a:bodyPr vert="horz" lIns="91440" tIns="45720" rIns="91440" bIns="45720" rtlCol="0">
-            <a:normAutofit fontScale="85000" lnSpcReduction="20000"/>
+            <a:normAutofit fontScale="92500" lnSpcReduction="20000"/>
           </a:bodyPr>
           <a:lstStyle>
             <a:lvl1pPr marL="228600" indent="-228600" algn="l" defTabSz="914400" rtl="0" eaLnBrk="1" latinLnBrk="0" hangingPunct="1">
@@ -11165,7 +11995,7 @@
             <a:pPr lvl="1"/>
             <a:r>
               <a:rPr lang="en-US" sz="1800" dirty="0"/>
-              <a:t>Describe how data were collected </a:t>
+              <a:t>Describes how data were collected </a:t>
             </a:r>
           </a:p>
           <a:p>
@@ -11174,7 +12004,7 @@
           <a:p>
             <a:r>
               <a:rPr lang="en-US" sz="2200" dirty="0"/>
-              <a:t>Perform data wrangling</a:t>
+              <a:t>Performed data wrangling</a:t>
             </a:r>
           </a:p>
           <a:p>
@@ -11190,7 +12020,7 @@
           <a:p>
             <a:r>
               <a:rPr lang="en-US" sz="2200" dirty="0"/>
-              <a:t>Perform exploratory data analysis (EDA) using visualization and SQL</a:t>
+              <a:t>Performed exploratory data analysis (EDA) using visualization and SQL</a:t>
             </a:r>
           </a:p>
           <a:p>
@@ -11199,7 +12029,7 @@
           <a:p>
             <a:r>
               <a:rPr lang="en-US" sz="2200" dirty="0"/>
-              <a:t>Perform interactive visual analytics using Folium and Plotly Dash</a:t>
+              <a:t>Performed interactive visual analytics using Folium and Plotly Dash</a:t>
             </a:r>
           </a:p>
           <a:p>
@@ -11208,7 +12038,7 @@
           <a:p>
             <a:r>
               <a:rPr lang="en-US" sz="2200" dirty="0"/>
-              <a:t>Perform predictive analysis using classification models</a:t>
+              <a:t>Performed predictive analysis using classification models</a:t>
             </a:r>
           </a:p>
           <a:p>
@@ -11351,31 +12181,6 @@
       </p:sp>
       <p:sp>
         <p:nvSpPr>
-          <p:cNvPr id="5" name="Text Placeholder 4">
-            <a:extLst>
-              <a:ext uri="{FF2B5EF4-FFF2-40B4-BE49-F238E27FC236}">
-                <a16:creationId xmlns:a16="http://schemas.microsoft.com/office/drawing/2014/main" id="{1FACB35F-F761-AD43-A90D-CCA232A9EE9C}"/>
-              </a:ext>
-            </a:extLst>
-          </p:cNvPr>
-          <p:cNvSpPr>
-            <a:spLocks noGrp="1"/>
-          </p:cNvSpPr>
-          <p:nvPr>
-            <p:ph type="body" idx="1"/>
-          </p:nvPr>
-        </p:nvSpPr>
-        <p:spPr/>
-        <p:txBody>
-          <a:bodyPr/>
-          <a:lstStyle/>
-          <a:p>
-            <a:endParaRPr lang="en-US"/>
-          </a:p>
-        </p:txBody>
-      </p:sp>
-      <p:sp>
-        <p:nvSpPr>
           <p:cNvPr id="3" name="Slide Number Placeholder 2">
             <a:extLst>
               <a:ext uri="{FF2B5EF4-FFF2-40B4-BE49-F238E27FC236}">
@@ -11489,23 +12294,41 @@
           <a:p>
             <a:r>
               <a:rPr lang="en-US" dirty="0"/>
-              <a:t>Describe how data sets were collected. </a:t>
-            </a:r>
-          </a:p>
-          <a:p>
-            <a:endParaRPr lang="en-US" dirty="0"/>
-          </a:p>
-          <a:p>
-            <a:r>
-              <a:rPr lang="en-US" dirty="0"/>
-              <a:t>You need to present your data collection process use key phrases and flowcharts</a:t>
+              <a:t>How data sets was collected. </a:t>
             </a:r>
           </a:p>
           <a:p>
             <a:pPr marL="0" indent="0">
               <a:buNone/>
             </a:pPr>
-            <a:endParaRPr lang="en-US" dirty="0"/>
+            <a:endParaRPr lang="en-US" sz="1600" dirty="0"/>
+          </a:p>
+          <a:p>
+            <a:pPr marL="0" indent="0">
+              <a:buNone/>
+            </a:pPr>
+            <a:r>
+              <a:rPr lang="en-US" sz="1800" dirty="0"/>
+              <a:t>Data used for this analysis was collected using two different approaches:</a:t>
+            </a:r>
+          </a:p>
+          <a:p>
+            <a:pPr marL="0" indent="0">
+              <a:buNone/>
+            </a:pPr>
+            <a:endParaRPr lang="en-US" sz="1800" dirty="0"/>
+          </a:p>
+          <a:p>
+            <a:r>
+              <a:rPr lang="en-US" sz="1800" dirty="0"/>
+              <a:t>Through REST API request made directly  to the SpaceX API </a:t>
+            </a:r>
+          </a:p>
+          <a:p>
+            <a:r>
+              <a:rPr lang="en-US" sz="1800" dirty="0"/>
+              <a:t>Web scraping the Wikipedia page for relevant Falcon9 historical launch table</a:t>
+            </a:r>
           </a:p>
         </p:txBody>
       </p:sp>
@@ -11534,14 +12357,76 @@
               <a:rPr lang="en-US" smtClean="0"/>
               <a:t>7</a:t>
             </a:fld>
-            <a:endParaRPr lang="en-US"/>
+            <a:endParaRPr lang="en-US" dirty="0"/>
+          </a:p>
+        </p:txBody>
+      </p:sp>
+      <p:sp>
+        <p:nvSpPr>
+          <p:cNvPr id="10" name="TextBox 9">
+            <a:extLst>
+              <a:ext uri="{FF2B5EF4-FFF2-40B4-BE49-F238E27FC236}">
+                <a16:creationId xmlns:a16="http://schemas.microsoft.com/office/drawing/2014/main" id="{166AA556-AFBC-1A45-A968-C0FB65959217}"/>
+              </a:ext>
+            </a:extLst>
+          </p:cNvPr>
+          <p:cNvSpPr txBox="1"/>
+          <p:nvPr/>
+        </p:nvSpPr>
+        <p:spPr>
+          <a:xfrm>
+            <a:off x="838200" y="6137137"/>
+            <a:ext cx="6835727" cy="369332"/>
+          </a:xfrm>
+          <a:prstGeom prst="rect">
+            <a:avLst/>
+          </a:prstGeom>
+          <a:noFill/>
+        </p:spPr>
+        <p:txBody>
+          <a:bodyPr wrap="square" rtlCol="0">
+            <a:spAutoFit/>
+          </a:bodyPr>
+          <a:lstStyle/>
+          <a:p>
+            <a:r>
+              <a:rPr lang="en-DE" dirty="0"/>
+              <a:t>Here’s a </a:t>
+            </a:r>
+            <a:r>
+              <a:rPr lang="en-GB" dirty="0">
+                <a:solidFill>
+                  <a:schemeClr val="tx2"/>
+                </a:solidFill>
+                <a:hlinkClick r:id="rId2">
+                  <a:extLst>
+                    <a:ext uri="{A12FA001-AC4F-418D-AE19-62706E023703}">
+                      <ahyp:hlinkClr xmlns:ahyp="http://schemas.microsoft.com/office/drawing/2018/hyperlinkcolor" val="tx"/>
+                    </a:ext>
+                  </a:extLst>
+                </a:hlinkClick>
+              </a:rPr>
+              <a:t>Github link</a:t>
+            </a:r>
+            <a:r>
+              <a:rPr lang="en-DE" dirty="0">
+                <a:solidFill>
+                  <a:schemeClr val="tx2"/>
+                </a:solidFill>
+              </a:rPr>
+              <a:t> </a:t>
+            </a:r>
+            <a:r>
+              <a:rPr lang="en-DE" dirty="0"/>
+              <a:t>to the complete notebook of the data collection</a:t>
+            </a:r>
           </a:p>
         </p:txBody>
       </p:sp>
     </p:spTree>
     <p:extLst>
       <p:ext uri="{BB962C8B-B14F-4D97-AF65-F5344CB8AC3E}">
-        <p14:creationId xmlns:p14="http://schemas.microsoft.com/office/powerpoint/2010/main" val="3288665831"/>
+        <p14:creationId xmlns:p14="http://schemas.microsoft.com/office/powerpoint/2010/main" val="266255001"/>
       </p:ext>
     </p:extLst>
   </p:cSld>
@@ -11584,14 +12469,19 @@
             <p:ph type="title"/>
           </p:nvPr>
         </p:nvSpPr>
-        <p:spPr/>
+        <p:spPr>
+          <a:xfrm>
+            <a:off x="838200" y="153192"/>
+            <a:ext cx="10515600" cy="1325563"/>
+          </a:xfrm>
+        </p:spPr>
         <p:txBody>
           <a:bodyPr/>
           <a:lstStyle/>
           <a:p>
             <a:r>
               <a:rPr lang="en-US" dirty="0"/>
-              <a:t>Data collection – SpaceX API</a:t>
+              <a:t>Data collection – REST API</a:t>
             </a:r>
           </a:p>
         </p:txBody>
@@ -11616,75 +12506,64 @@
         <p:txBody>
           <a:bodyPr/>
           <a:lstStyle/>
+          <a:p>
+            <a:pPr lvl="1"/>
+            <a:r>
+              <a:rPr lang="en-US" sz="1800" dirty="0"/>
+              <a:t>Initiated a request to SpaceX API</a:t>
+            </a:r>
+          </a:p>
+          <a:p>
+            <a:endParaRPr lang="en-US" sz="1600" dirty="0"/>
+          </a:p>
+          <a:p>
+            <a:endParaRPr lang="en-US" sz="1600" dirty="0"/>
+          </a:p>
+          <a:p>
+            <a:pPr lvl="1"/>
+            <a:r>
+              <a:rPr lang="en-US" sz="1800" dirty="0"/>
+              <a:t>Then converted the response content into a pandas </a:t>
+            </a:r>
+            <a:r>
+              <a:rPr lang="en-US" sz="1800" dirty="0" err="1"/>
+              <a:t>dataframe</a:t>
+            </a:r>
+            <a:r>
+              <a:rPr lang="en-US" sz="1800" dirty="0"/>
+              <a:t> for Cleaning, and further processes </a:t>
+            </a:r>
+          </a:p>
           <a:p>
             <a:pPr marL="0" indent="0">
               <a:buNone/>
             </a:pPr>
-            <a:r>
-              <a:rPr lang="en-US" dirty="0"/>
-              <a:t>Added a flowchart of SpaceX API calls here</a:t>
-            </a:r>
-          </a:p>
-        </p:txBody>
-      </p:sp>
-      <p:sp>
-        <p:nvSpPr>
-          <p:cNvPr id="3" name="Text Placeholder 2">
-            <a:extLst>
-              <a:ext uri="{FF2B5EF4-FFF2-40B4-BE49-F238E27FC236}">
-                <a16:creationId xmlns:a16="http://schemas.microsoft.com/office/drawing/2014/main" id="{AB0AB2AC-B7E6-6849-9AE9-697369407F8F}"/>
-              </a:ext>
-            </a:extLst>
-          </p:cNvPr>
-          <p:cNvSpPr>
-            <a:spLocks noGrp="1"/>
-          </p:cNvSpPr>
-          <p:nvPr>
-            <p:ph type="body" sz="half" idx="2"/>
-          </p:nvPr>
-        </p:nvSpPr>
-        <p:spPr/>
-        <p:txBody>
-          <a:bodyPr/>
-          <a:lstStyle/>
-          <a:p>
-            <a:endParaRPr lang="en-US" dirty="0"/>
-          </a:p>
-          <a:p>
-            <a:r>
-              <a:rPr lang="en-US" dirty="0"/>
-              <a:t>Present your data collection with SpaceX REST calls using key phrases and flowcharts</a:t>
-            </a:r>
-          </a:p>
-          <a:p>
-            <a:endParaRPr lang="en-US" dirty="0"/>
-          </a:p>
-          <a:p>
-            <a:endParaRPr lang="en-US" dirty="0"/>
-          </a:p>
-          <a:p>
-            <a:r>
-              <a:rPr lang="en-US" dirty="0"/>
-              <a:t>Add the GitHub URL of the completed SpaceX API calls notebook (</a:t>
-            </a:r>
-            <a:r>
-              <a:rPr lang="en-US" dirty="0">
-                <a:solidFill>
-                  <a:srgbClr val="FF0000"/>
-                </a:solidFill>
-              </a:rPr>
-              <a:t>must include completed code cell and outcome cell</a:t>
-            </a:r>
-            <a:r>
-              <a:rPr lang="en-US" dirty="0"/>
-              <a:t>), as an external reference and peer-review purpose</a:t>
-            </a:r>
-          </a:p>
-          <a:p>
-            <a:endParaRPr lang="en-US" dirty="0"/>
-          </a:p>
-          <a:p>
-            <a:endParaRPr lang="en-US" dirty="0"/>
+            <a:endParaRPr lang="en-US" sz="1400" dirty="0"/>
+          </a:p>
+          <a:p>
+            <a:pPr marL="0" indent="0">
+              <a:buNone/>
+            </a:pPr>
+            <a:endParaRPr lang="en-US" sz="1600" dirty="0"/>
+          </a:p>
+          <a:p>
+            <a:pPr marL="0" indent="0">
+              <a:buNone/>
+            </a:pPr>
+            <a:endParaRPr lang="en-US" sz="1600" dirty="0"/>
+          </a:p>
+          <a:p>
+            <a:pPr lvl="1"/>
+            <a:r>
+              <a:rPr lang="en-US" sz="1800" dirty="0"/>
+              <a:t>Below is a flowchart of the collected process.</a:t>
+            </a:r>
+          </a:p>
+          <a:p>
+            <a:pPr marL="0" indent="0">
+              <a:buNone/>
+            </a:pPr>
+            <a:endParaRPr lang="en-US" sz="1600" dirty="0"/>
           </a:p>
         </p:txBody>
       </p:sp>
@@ -11713,14 +12592,166 @@
               <a:rPr lang="en-US" smtClean="0"/>
               <a:t>8</a:t>
             </a:fld>
-            <a:endParaRPr lang="en-US"/>
-          </a:p>
-        </p:txBody>
-      </p:sp>
+            <a:endParaRPr lang="en-US" dirty="0"/>
+          </a:p>
+        </p:txBody>
+      </p:sp>
+      <p:pic>
+        <p:nvPicPr>
+          <p:cNvPr id="7" name="Picture 6">
+            <a:extLst>
+              <a:ext uri="{FF2B5EF4-FFF2-40B4-BE49-F238E27FC236}">
+                <a16:creationId xmlns:a16="http://schemas.microsoft.com/office/drawing/2014/main" id="{10C1AD73-050B-5C4F-A2A2-35354B50CE58}"/>
+              </a:ext>
+            </a:extLst>
+          </p:cNvPr>
+          <p:cNvPicPr>
+            <a:picLocks noChangeAspect="1"/>
+          </p:cNvPicPr>
+          <p:nvPr/>
+        </p:nvPicPr>
+        <p:blipFill>
+          <a:blip r:embed="rId2"/>
+          <a:stretch>
+            <a:fillRect/>
+          </a:stretch>
+        </p:blipFill>
+        <p:spPr>
+          <a:xfrm>
+            <a:off x="1576775" y="3094871"/>
+            <a:ext cx="4495800" cy="482600"/>
+          </a:xfrm>
+          <a:prstGeom prst="rect">
+            <a:avLst/>
+          </a:prstGeom>
+        </p:spPr>
+      </p:pic>
+      <p:pic>
+        <p:nvPicPr>
+          <p:cNvPr id="9" name="Picture 8">
+            <a:extLst>
+              <a:ext uri="{FF2B5EF4-FFF2-40B4-BE49-F238E27FC236}">
+                <a16:creationId xmlns:a16="http://schemas.microsoft.com/office/drawing/2014/main" id="{02859C70-CA46-8B45-A691-E0C1A047B5CC}"/>
+              </a:ext>
+            </a:extLst>
+          </p:cNvPr>
+          <p:cNvPicPr>
+            <a:picLocks noChangeAspect="1"/>
+          </p:cNvPicPr>
+          <p:nvPr/>
+        </p:nvPicPr>
+        <p:blipFill>
+          <a:blip r:embed="rId3"/>
+          <a:stretch>
+            <a:fillRect/>
+          </a:stretch>
+        </p:blipFill>
+        <p:spPr>
+          <a:xfrm>
+            <a:off x="1494836" y="4346492"/>
+            <a:ext cx="7491914" cy="1344389"/>
+          </a:xfrm>
+          <a:prstGeom prst="rect">
+            <a:avLst/>
+          </a:prstGeom>
+        </p:spPr>
+      </p:pic>
+      <p:sp>
+        <p:nvSpPr>
+          <p:cNvPr id="10" name="TextBox 9">
+            <a:extLst>
+              <a:ext uri="{FF2B5EF4-FFF2-40B4-BE49-F238E27FC236}">
+                <a16:creationId xmlns:a16="http://schemas.microsoft.com/office/drawing/2014/main" id="{166AA556-AFBC-1A45-A968-C0FB65959217}"/>
+              </a:ext>
+            </a:extLst>
+          </p:cNvPr>
+          <p:cNvSpPr txBox="1"/>
+          <p:nvPr/>
+        </p:nvSpPr>
+        <p:spPr>
+          <a:xfrm>
+            <a:off x="838200" y="6137137"/>
+            <a:ext cx="6835727" cy="369332"/>
+          </a:xfrm>
+          <a:prstGeom prst="rect">
+            <a:avLst/>
+          </a:prstGeom>
+          <a:noFill/>
+        </p:spPr>
+        <p:txBody>
+          <a:bodyPr wrap="square" rtlCol="0">
+            <a:spAutoFit/>
+          </a:bodyPr>
+          <a:lstStyle/>
+          <a:p>
+            <a:r>
+              <a:rPr lang="en-DE" dirty="0"/>
+              <a:t>Here’s a </a:t>
+            </a:r>
+            <a:r>
+              <a:rPr lang="en-GB" dirty="0">
+                <a:solidFill>
+                  <a:schemeClr val="tx2"/>
+                </a:solidFill>
+                <a:hlinkClick r:id="rId4">
+                  <a:extLst>
+                    <a:ext uri="{A12FA001-AC4F-418D-AE19-62706E023703}">
+                      <ahyp:hlinkClr xmlns:ahyp="http://schemas.microsoft.com/office/drawing/2018/hyperlinkcolor" val="tx"/>
+                    </a:ext>
+                  </a:extLst>
+                </a:hlinkClick>
+              </a:rPr>
+              <a:t>Github link</a:t>
+            </a:r>
+            <a:r>
+              <a:rPr lang="en-DE" dirty="0">
+                <a:solidFill>
+                  <a:schemeClr val="tx2"/>
+                </a:solidFill>
+              </a:rPr>
+              <a:t> </a:t>
+            </a:r>
+            <a:r>
+              <a:rPr lang="en-DE" dirty="0"/>
+              <a:t>to the complete notebook of the data collection</a:t>
+            </a:r>
+          </a:p>
+        </p:txBody>
+      </p:sp>
+      <p:pic>
+        <p:nvPicPr>
+          <p:cNvPr id="11" name="Picture 10">
+            <a:extLst>
+              <a:ext uri="{FF2B5EF4-FFF2-40B4-BE49-F238E27FC236}">
+                <a16:creationId xmlns:a16="http://schemas.microsoft.com/office/drawing/2014/main" id="{3026211B-341A-6640-B7B8-CDF9448AAB01}"/>
+              </a:ext>
+            </a:extLst>
+          </p:cNvPr>
+          <p:cNvPicPr>
+            <a:picLocks noChangeAspect="1"/>
+          </p:cNvPicPr>
+          <p:nvPr/>
+        </p:nvPicPr>
+        <p:blipFill>
+          <a:blip r:embed="rId5"/>
+          <a:stretch>
+            <a:fillRect/>
+          </a:stretch>
+        </p:blipFill>
+        <p:spPr>
+          <a:xfrm>
+            <a:off x="1617666" y="2030719"/>
+            <a:ext cx="3810000" cy="342900"/>
+          </a:xfrm>
+          <a:prstGeom prst="rect">
+            <a:avLst/>
+          </a:prstGeom>
+        </p:spPr>
+      </p:pic>
     </p:spTree>
     <p:extLst>
       <p:ext uri="{BB962C8B-B14F-4D97-AF65-F5344CB8AC3E}">
-        <p14:creationId xmlns:p14="http://schemas.microsoft.com/office/powerpoint/2010/main" val="280316088"/>
+        <p14:creationId xmlns:p14="http://schemas.microsoft.com/office/powerpoint/2010/main" val="3288665831"/>
       </p:ext>
     </p:extLst>
   </p:cSld>
@@ -11763,7 +12794,12 @@
             <p:ph type="title"/>
           </p:nvPr>
         </p:nvSpPr>
-        <p:spPr/>
+        <p:spPr>
+          <a:xfrm>
+            <a:off x="839788" y="457200"/>
+            <a:ext cx="3932237" cy="1269586"/>
+          </a:xfrm>
+        </p:spPr>
         <p:txBody>
           <a:bodyPr/>
           <a:lstStyle/>
@@ -11791,7 +12827,12 @@
             <p:ph idx="1"/>
           </p:nvPr>
         </p:nvSpPr>
-        <p:spPr/>
+        <p:spPr>
+          <a:xfrm>
+            <a:off x="5764214" y="846161"/>
+            <a:ext cx="5591174" cy="5014889"/>
+          </a:xfrm>
+        </p:spPr>
         <p:txBody>
           <a:bodyPr/>
           <a:lstStyle/>
@@ -11801,7 +12842,7 @@
             </a:pPr>
             <a:r>
               <a:rPr lang="en-US" dirty="0"/>
-              <a:t>Add a flowchart of web scraping here</a:t>
+              <a:t>A flowchart of web scraping process.</a:t>
             </a:r>
           </a:p>
         </p:txBody>
@@ -11822,30 +12863,95 @@
             <p:ph type="body" sz="half" idx="2"/>
           </p:nvPr>
         </p:nvSpPr>
-        <p:spPr/>
-        <p:txBody>
-          <a:bodyPr/>
+        <p:spPr>
+          <a:xfrm>
+            <a:off x="839787" y="1583140"/>
+            <a:ext cx="4983163" cy="4285848"/>
+          </a:xfrm>
+        </p:spPr>
+        <p:txBody>
+          <a:bodyPr>
+            <a:normAutofit/>
+          </a:bodyPr>
           <a:lstStyle/>
           <a:p>
             <a:endParaRPr lang="en-US" dirty="0"/>
           </a:p>
           <a:p>
+            <a:pPr marL="285750" indent="-285750">
+              <a:buFont typeface="Arial" panose="020B0604020202020204" pitchFamily="34" charset="0"/>
+              <a:buChar char="•"/>
+            </a:pPr>
             <a:r>
               <a:rPr lang="en-US" dirty="0"/>
-              <a:t>Present your web scraping process use key phrases and flowcharts</a:t>
-            </a:r>
-          </a:p>
-          <a:p>
+              <a:t>The </a:t>
+            </a:r>
+            <a:r>
+              <a:rPr lang="en-US" dirty="0" err="1"/>
+              <a:t>webscraping</a:t>
+            </a:r>
+            <a:r>
+              <a:rPr lang="en-US" dirty="0"/>
+              <a:t> was done using </a:t>
+            </a:r>
+            <a:r>
+              <a:rPr lang="en-US" dirty="0" err="1"/>
+              <a:t>BeautifulSoup</a:t>
+            </a:r>
+            <a:r>
+              <a:rPr lang="en-US" dirty="0"/>
+              <a:t> (a python package)</a:t>
+            </a:r>
+          </a:p>
+          <a:p>
+            <a:pPr marL="285750" indent="-285750">
+              <a:buFont typeface="Arial" panose="020B0604020202020204" pitchFamily="34" charset="0"/>
+              <a:buChar char="•"/>
+            </a:pPr>
             <a:endParaRPr lang="en-US" dirty="0"/>
           </a:p>
           <a:p>
             <a:endParaRPr lang="en-US" dirty="0"/>
           </a:p>
           <a:p>
+            <a:pPr marL="285750" indent="-285750">
+              <a:buFont typeface="Arial" panose="020B0604020202020204" pitchFamily="34" charset="0"/>
+              <a:buChar char="•"/>
+            </a:pPr>
             <a:r>
               <a:rPr lang="en-US" dirty="0"/>
-              <a:t>Add the GitHub URL of the completed web scraping notebook, as an external reference and peer-review purpose</a:t>
-            </a:r>
+              <a:t>Extracted a falcon9 launch record HTML table from Wikipedia</a:t>
+            </a:r>
+          </a:p>
+          <a:p>
+            <a:endParaRPr lang="en-US" dirty="0"/>
+          </a:p>
+          <a:p>
+            <a:endParaRPr lang="en-US" dirty="0"/>
+          </a:p>
+          <a:p>
+            <a:endParaRPr lang="en-US" dirty="0"/>
+          </a:p>
+          <a:p>
+            <a:pPr marL="285750" indent="-285750">
+              <a:buFont typeface="Arial" panose="020B0604020202020204" pitchFamily="34" charset="0"/>
+              <a:buChar char="•"/>
+            </a:pPr>
+            <a:r>
+              <a:rPr lang="en-US" dirty="0"/>
+              <a:t>Parsed the table and converted it to a </a:t>
+            </a:r>
+            <a:r>
+              <a:rPr lang="en-US" dirty="0" err="1"/>
+              <a:t>dataframe</a:t>
+            </a:r>
+            <a:r>
+              <a:rPr lang="en-US" dirty="0"/>
+              <a:t>.</a:t>
+            </a:r>
+          </a:p>
+          <a:p>
+            <a:endParaRPr lang="en-US" dirty="0"/>
           </a:p>
         </p:txBody>
       </p:sp>
@@ -11874,10 +12980,252 @@
               <a:rPr lang="en-US" smtClean="0"/>
               <a:t>9</a:t>
             </a:fld>
-            <a:endParaRPr lang="en-US"/>
-          </a:p>
-        </p:txBody>
-      </p:sp>
+            <a:endParaRPr lang="en-US" dirty="0"/>
+          </a:p>
+        </p:txBody>
+      </p:sp>
+      <p:sp>
+        <p:nvSpPr>
+          <p:cNvPr id="7" name="TextBox 6">
+            <a:extLst>
+              <a:ext uri="{FF2B5EF4-FFF2-40B4-BE49-F238E27FC236}">
+                <a16:creationId xmlns:a16="http://schemas.microsoft.com/office/drawing/2014/main" id="{C3823B1B-592B-4341-8BA2-EF7DB2FAA956}"/>
+              </a:ext>
+            </a:extLst>
+          </p:cNvPr>
+          <p:cNvSpPr txBox="1"/>
+          <p:nvPr/>
+        </p:nvSpPr>
+        <p:spPr>
+          <a:xfrm>
+            <a:off x="1724074" y="5960864"/>
+            <a:ext cx="6835727" cy="369332"/>
+          </a:xfrm>
+          <a:prstGeom prst="rect">
+            <a:avLst/>
+          </a:prstGeom>
+          <a:noFill/>
+        </p:spPr>
+        <p:txBody>
+          <a:bodyPr wrap="square" rtlCol="0">
+            <a:spAutoFit/>
+          </a:bodyPr>
+          <a:lstStyle/>
+          <a:p>
+            <a:r>
+              <a:rPr lang="en-DE" dirty="0"/>
+              <a:t>Here’s a </a:t>
+            </a:r>
+            <a:r>
+              <a:rPr lang="en-GB" dirty="0">
+                <a:solidFill>
+                  <a:schemeClr val="tx2"/>
+                </a:solidFill>
+                <a:hlinkClick r:id="rId2">
+                  <a:extLst>
+                    <a:ext uri="{A12FA001-AC4F-418D-AE19-62706E023703}">
+                      <ahyp:hlinkClr xmlns:ahyp="http://schemas.microsoft.com/office/drawing/2018/hyperlinkcolor" val="tx"/>
+                    </a:ext>
+                  </a:extLst>
+                </a:hlinkClick>
+              </a:rPr>
+              <a:t>Github link</a:t>
+            </a:r>
+            <a:r>
+              <a:rPr lang="en-DE" dirty="0">
+                <a:solidFill>
+                  <a:schemeClr val="tx2"/>
+                </a:solidFill>
+              </a:rPr>
+              <a:t> </a:t>
+            </a:r>
+            <a:r>
+              <a:rPr lang="en-DE" dirty="0"/>
+              <a:t>to the complete notebook for the webscraping</a:t>
+            </a:r>
+          </a:p>
+        </p:txBody>
+      </p:sp>
+      <p:pic>
+        <p:nvPicPr>
+          <p:cNvPr id="4" name="Picture 3">
+            <a:extLst>
+              <a:ext uri="{FF2B5EF4-FFF2-40B4-BE49-F238E27FC236}">
+                <a16:creationId xmlns:a16="http://schemas.microsoft.com/office/drawing/2014/main" id="{92D32C7E-BD3B-ED4A-A9A2-7870910B33F9}"/>
+              </a:ext>
+            </a:extLst>
+          </p:cNvPr>
+          <p:cNvPicPr>
+            <a:picLocks noChangeAspect="1"/>
+          </p:cNvPicPr>
+          <p:nvPr/>
+        </p:nvPicPr>
+        <p:blipFill>
+          <a:blip r:embed="rId3"/>
+          <a:stretch>
+            <a:fillRect/>
+          </a:stretch>
+        </p:blipFill>
+        <p:spPr>
+          <a:xfrm>
+            <a:off x="1457325" y="2404564"/>
+            <a:ext cx="3314700" cy="533400"/>
+          </a:xfrm>
+          <a:prstGeom prst="rect">
+            <a:avLst/>
+          </a:prstGeom>
+        </p:spPr>
+      </p:pic>
+      <p:pic>
+        <p:nvPicPr>
+          <p:cNvPr id="8" name="Picture 7">
+            <a:extLst>
+              <a:ext uri="{FF2B5EF4-FFF2-40B4-BE49-F238E27FC236}">
+                <a16:creationId xmlns:a16="http://schemas.microsoft.com/office/drawing/2014/main" id="{59506287-EED3-FD4D-B65D-477F676E0157}"/>
+              </a:ext>
+            </a:extLst>
+          </p:cNvPr>
+          <p:cNvPicPr>
+            <a:picLocks noChangeAspect="1"/>
+          </p:cNvPicPr>
+          <p:nvPr/>
+        </p:nvPicPr>
+        <p:blipFill>
+          <a:blip r:embed="rId4"/>
+          <a:stretch>
+            <a:fillRect/>
+          </a:stretch>
+        </p:blipFill>
+        <p:spPr>
+          <a:xfrm>
+            <a:off x="1009650" y="3843453"/>
+            <a:ext cx="4584700" cy="292100"/>
+          </a:xfrm>
+          <a:prstGeom prst="rect">
+            <a:avLst/>
+          </a:prstGeom>
+        </p:spPr>
+      </p:pic>
+      <p:pic>
+        <p:nvPicPr>
+          <p:cNvPr id="9" name="Picture 8">
+            <a:extLst>
+              <a:ext uri="{FF2B5EF4-FFF2-40B4-BE49-F238E27FC236}">
+                <a16:creationId xmlns:a16="http://schemas.microsoft.com/office/drawing/2014/main" id="{FF03F11D-D4B1-7D4D-B551-A4E6A0C28E97}"/>
+              </a:ext>
+            </a:extLst>
+          </p:cNvPr>
+          <p:cNvPicPr>
+            <a:picLocks noChangeAspect="1"/>
+          </p:cNvPicPr>
+          <p:nvPr/>
+        </p:nvPicPr>
+        <p:blipFill>
+          <a:blip r:embed="rId5"/>
+          <a:stretch>
+            <a:fillRect/>
+          </a:stretch>
+        </p:blipFill>
+        <p:spPr>
+          <a:xfrm>
+            <a:off x="898680" y="5074506"/>
+            <a:ext cx="4762500" cy="292100"/>
+          </a:xfrm>
+          <a:prstGeom prst="rect">
+            <a:avLst/>
+          </a:prstGeom>
+        </p:spPr>
+      </p:pic>
+      <p:pic>
+        <p:nvPicPr>
+          <p:cNvPr id="10" name="Picture 9">
+            <a:extLst>
+              <a:ext uri="{FF2B5EF4-FFF2-40B4-BE49-F238E27FC236}">
+                <a16:creationId xmlns:a16="http://schemas.microsoft.com/office/drawing/2014/main" id="{DE47C56E-3289-4B42-AD0E-5711016EBB45}"/>
+              </a:ext>
+            </a:extLst>
+          </p:cNvPr>
+          <p:cNvPicPr>
+            <a:picLocks noChangeAspect="1"/>
+          </p:cNvPicPr>
+          <p:nvPr/>
+        </p:nvPicPr>
+        <p:blipFill>
+          <a:blip r:embed="rId6"/>
+          <a:stretch>
+            <a:fillRect/>
+          </a:stretch>
+        </p:blipFill>
+        <p:spPr>
+          <a:xfrm>
+            <a:off x="916782" y="5404432"/>
+            <a:ext cx="3124200" cy="317500"/>
+          </a:xfrm>
+          <a:prstGeom prst="rect">
+            <a:avLst/>
+          </a:prstGeom>
+        </p:spPr>
+      </p:pic>
+      <p:pic>
+        <p:nvPicPr>
+          <p:cNvPr id="11" name="Picture 10">
+            <a:extLst>
+              <a:ext uri="{FF2B5EF4-FFF2-40B4-BE49-F238E27FC236}">
+                <a16:creationId xmlns:a16="http://schemas.microsoft.com/office/drawing/2014/main" id="{70DD13FB-6796-1249-A534-14AFD065D3DD}"/>
+              </a:ext>
+            </a:extLst>
+          </p:cNvPr>
+          <p:cNvPicPr>
+            <a:picLocks noChangeAspect="1"/>
+          </p:cNvPicPr>
+          <p:nvPr/>
+        </p:nvPicPr>
+        <p:blipFill>
+          <a:blip r:embed="rId7"/>
+          <a:stretch>
+            <a:fillRect/>
+          </a:stretch>
+        </p:blipFill>
+        <p:spPr>
+          <a:xfrm>
+            <a:off x="1009650" y="4214587"/>
+            <a:ext cx="4495800" cy="228600"/>
+          </a:xfrm>
+          <a:prstGeom prst="rect">
+            <a:avLst/>
+          </a:prstGeom>
+        </p:spPr>
+      </p:pic>
+      <p:pic>
+        <p:nvPicPr>
+          <p:cNvPr id="13" name="Picture 12">
+            <a:extLst>
+              <a:ext uri="{FF2B5EF4-FFF2-40B4-BE49-F238E27FC236}">
+                <a16:creationId xmlns:a16="http://schemas.microsoft.com/office/drawing/2014/main" id="{B9FCEE58-1C35-024B-A6A7-F82B28BF2EFC}"/>
+              </a:ext>
+            </a:extLst>
+          </p:cNvPr>
+          <p:cNvPicPr>
+            <a:picLocks noChangeAspect="1"/>
+          </p:cNvPicPr>
+          <p:nvPr/>
+        </p:nvPicPr>
+        <p:blipFill>
+          <a:blip r:embed="rId8"/>
+          <a:stretch>
+            <a:fillRect/>
+          </a:stretch>
+        </p:blipFill>
+        <p:spPr>
+          <a:xfrm>
+            <a:off x="5822950" y="2025650"/>
+            <a:ext cx="5945959" cy="3048856"/>
+          </a:xfrm>
+          <a:prstGeom prst="rect">
+            <a:avLst/>
+          </a:prstGeom>
+        </p:spPr>
+      </p:pic>
     </p:spTree>
     <p:extLst>
       <p:ext uri="{BB962C8B-B14F-4D97-AF65-F5344CB8AC3E}">
@@ -12388,12 +13736,6 @@
 </file>
 
 <file path=customXml/item1.xml><?xml version="1.0" encoding="utf-8"?>
-<p:properties xmlns:p="http://schemas.microsoft.com/office/2006/metadata/properties" xmlns:xsi="http://www.w3.org/2001/XMLSchema-instance" xmlns:pc="http://schemas.microsoft.com/office/infopath/2007/PartnerControls">
-  <documentManagement/>
-</p:properties>
-</file>
-
-<file path=customXml/item2.xml><?xml version="1.0" encoding="utf-8"?>
 <?mso-contentType ?>
 <FormTemplates xmlns="http://schemas.microsoft.com/sharepoint/v3/contenttype/forms">
   <Display>DocumentLibraryForm</Display>
@@ -12402,7 +13744,7 @@
 </FormTemplates>
 </file>
 
-<file path=customXml/item3.xml><?xml version="1.0" encoding="utf-8"?>
+<file path=customXml/item2.xml><?xml version="1.0" encoding="utf-8"?>
 <ct:contentTypeSchema xmlns:ct="http://schemas.microsoft.com/office/2006/metadata/contentType" xmlns:ma="http://schemas.microsoft.com/office/2006/metadata/properties/metaAttributes" ct:_="" ma:_="" ma:contentTypeName="Document" ma:contentTypeID="0x010100EECD86F56755A646AC8AFCBCBD967F21" ma:contentTypeVersion="12" ma:contentTypeDescription="Create a new document." ma:contentTypeScope="" ma:versionID="5271f8e20090c87afed7729ac71f61b2">
   <xsd:schema xmlns:xsd="http://www.w3.org/2001/XMLSchema" xmlns:xs="http://www.w3.org/2001/XMLSchema" xmlns:p="http://schemas.microsoft.com/office/2006/metadata/properties" xmlns:ns2="155be751-a274-42e8-93fb-f39d3b9bccc8" xmlns:ns3="f80a141d-92ca-4d3d-9308-f7e7b1d44ce8" targetNamespace="http://schemas.microsoft.com/office/2006/metadata/properties" ma:root="true" ma:fieldsID="cf12c133eb44377ebd94fdb7db4757b0" ns2:_="" ns3:_="">
     <xsd:import namespace="155be751-a274-42e8-93fb-f39d3b9bccc8"/>
@@ -12619,24 +13961,13 @@
 </ct:contentTypeSchema>
 </file>
 
-<file path=customXml/itemProps1.xml><?xml version="1.0" encoding="utf-8"?>
-<ds:datastoreItem xmlns:ds="http://schemas.openxmlformats.org/officeDocument/2006/customXml" ds:itemID="{54DA07C5-A406-4A0D-B3E6-3856C94AC7F3}">
-  <ds:schemaRefs>
-    <ds:schemaRef ds:uri="http://purl.org/dc/terms/"/>
-    <ds:schemaRef ds:uri="http://schemas.microsoft.com/office/2006/documentManagement/types"/>
-    <ds:schemaRef ds:uri="http://schemas.microsoft.com/office/infopath/2007/PartnerControls"/>
-    <ds:schemaRef ds:uri="http://purl.org/dc/elements/1.1/"/>
-    <ds:schemaRef ds:uri="http://schemas.openxmlformats.org/package/2006/metadata/core-properties"/>
-    <ds:schemaRef ds:uri="http://schemas.microsoft.com/office/2006/metadata/properties"/>
-    <ds:schemaRef ds:uri="f80a141d-92ca-4d3d-9308-f7e7b1d44ce8"/>
-    <ds:schemaRef ds:uri="155be751-a274-42e8-93fb-f39d3b9bccc8"/>
-    <ds:schemaRef ds:uri="http://www.w3.org/XML/1998/namespace"/>
-    <ds:schemaRef ds:uri="http://purl.org/dc/dcmitype/"/>
-  </ds:schemaRefs>
-</ds:datastoreItem>
+<file path=customXml/item3.xml><?xml version="1.0" encoding="utf-8"?>
+<p:properties xmlns:p="http://schemas.microsoft.com/office/2006/metadata/properties" xmlns:xsi="http://www.w3.org/2001/XMLSchema-instance" xmlns:pc="http://schemas.microsoft.com/office/infopath/2007/PartnerControls">
+  <documentManagement/>
+</p:properties>
 </file>
 
-<file path=customXml/itemProps2.xml><?xml version="1.0" encoding="utf-8"?>
+<file path=customXml/itemProps1.xml><?xml version="1.0" encoding="utf-8"?>
 <ds:datastoreItem xmlns:ds="http://schemas.openxmlformats.org/officeDocument/2006/customXml" ds:itemID="{7EFDA260-DDA0-422C-B7AE-778F653FBB36}">
   <ds:schemaRefs>
     <ds:schemaRef ds:uri="http://schemas.microsoft.com/sharepoint/v3/contenttype/forms"/>
@@ -12644,7 +13975,7 @@
 </ds:datastoreItem>
 </file>
 
-<file path=customXml/itemProps3.xml><?xml version="1.0" encoding="utf-8"?>
+<file path=customXml/itemProps2.xml><?xml version="1.0" encoding="utf-8"?>
 <ds:datastoreItem xmlns:ds="http://schemas.openxmlformats.org/officeDocument/2006/customXml" ds:itemID="{FD840426-F08D-42AC-9846-A20E4AB85A26}">
   <ds:schemaRefs>
     <ds:schemaRef ds:uri="155be751-a274-42e8-93fb-f39d3b9bccc8"/>
@@ -12661,4 +13992,21 @@
     <ds:schemaRef ds:uri="http://www.w3.org/2001/XMLSchema"/>
   </ds:schemaRefs>
 </ds:datastoreItem>
+</file>
+
+<file path=customXml/itemProps3.xml><?xml version="1.0" encoding="utf-8"?>
+<ds:datastoreItem xmlns:ds="http://schemas.openxmlformats.org/officeDocument/2006/customXml" ds:itemID="{54DA07C5-A406-4A0D-B3E6-3856C94AC7F3}">
+  <ds:schemaRefs>
+    <ds:schemaRef ds:uri="http://purl.org/dc/terms/"/>
+    <ds:schemaRef ds:uri="http://schemas.microsoft.com/office/2006/documentManagement/types"/>
+    <ds:schemaRef ds:uri="http://schemas.microsoft.com/office/infopath/2007/PartnerControls"/>
+    <ds:schemaRef ds:uri="http://purl.org/dc/elements/1.1/"/>
+    <ds:schemaRef ds:uri="http://schemas.openxmlformats.org/package/2006/metadata/core-properties"/>
+    <ds:schemaRef ds:uri="http://schemas.microsoft.com/office/2006/metadata/properties"/>
+    <ds:schemaRef ds:uri="f80a141d-92ca-4d3d-9308-f7e7b1d44ce8"/>
+    <ds:schemaRef ds:uri="155be751-a274-42e8-93fb-f39d3b9bccc8"/>
+    <ds:schemaRef ds:uri="http://www.w3.org/XML/1998/namespace"/>
+    <ds:schemaRef ds:uri="http://purl.org/dc/dcmitype/"/>
+  </ds:schemaRefs>
+</ds:datastoreItem>
 </file>